--- a/Proposal/Soc_Ecol_Model/CoupledModelConceptual.pptx
+++ b/Proposal/Soc_Ecol_Model/CoupledModelConceptual.pptx
@@ -6,7 +6,6 @@
   </p:sldMasterIdLst>
   <p:sldIdLst>
     <p:sldId id="256" r:id="rId2"/>
-    <p:sldId id="257" r:id="rId3"/>
   </p:sldIdLst>
   <p:sldSz cx="12192000" cy="6858000"/>
   <p:notesSz cx="6858000" cy="9144000"/>
@@ -105,6 +104,11 @@
       </a:defRPr>
     </a:lvl9pPr>
   </p:defaultTextStyle>
+  <p:extLst>
+    <p:ext uri="{EFAFB233-063F-42B5-8137-9DF3F51BA10A}">
+      <p15:sldGuideLst xmlns:p15="http://schemas.microsoft.com/office/powerpoint/2012/main"/>
+    </p:ext>
+  </p:extLst>
 </p:presentation>
 </file>
 
@@ -255,7 +259,7 @@
           <a:p>
             <a:fld id="{03153A9F-FCC4-403E-A36C-387386DA85F5}" type="datetimeFigureOut">
               <a:rPr lang="en-US" smtClean="0"/>
-              <a:t>2023-04-10</a:t>
+              <a:t>2023-04-17</a:t>
             </a:fld>
             <a:endParaRPr lang="en-US"/>
           </a:p>
@@ -453,7 +457,7 @@
           <a:p>
             <a:fld id="{03153A9F-FCC4-403E-A36C-387386DA85F5}" type="datetimeFigureOut">
               <a:rPr lang="en-US" smtClean="0"/>
-              <a:t>2023-04-10</a:t>
+              <a:t>2023-04-17</a:t>
             </a:fld>
             <a:endParaRPr lang="en-US"/>
           </a:p>
@@ -661,7 +665,7 @@
           <a:p>
             <a:fld id="{03153A9F-FCC4-403E-A36C-387386DA85F5}" type="datetimeFigureOut">
               <a:rPr lang="en-US" smtClean="0"/>
-              <a:t>2023-04-10</a:t>
+              <a:t>2023-04-17</a:t>
             </a:fld>
             <a:endParaRPr lang="en-US"/>
           </a:p>
@@ -859,7 +863,7 @@
           <a:p>
             <a:fld id="{03153A9F-FCC4-403E-A36C-387386DA85F5}" type="datetimeFigureOut">
               <a:rPr lang="en-US" smtClean="0"/>
-              <a:t>2023-04-10</a:t>
+              <a:t>2023-04-17</a:t>
             </a:fld>
             <a:endParaRPr lang="en-US"/>
           </a:p>
@@ -1134,7 +1138,7 @@
           <a:p>
             <a:fld id="{03153A9F-FCC4-403E-A36C-387386DA85F5}" type="datetimeFigureOut">
               <a:rPr lang="en-US" smtClean="0"/>
-              <a:t>2023-04-10</a:t>
+              <a:t>2023-04-17</a:t>
             </a:fld>
             <a:endParaRPr lang="en-US"/>
           </a:p>
@@ -1399,7 +1403,7 @@
           <a:p>
             <a:fld id="{03153A9F-FCC4-403E-A36C-387386DA85F5}" type="datetimeFigureOut">
               <a:rPr lang="en-US" smtClean="0"/>
-              <a:t>2023-04-10</a:t>
+              <a:t>2023-04-17</a:t>
             </a:fld>
             <a:endParaRPr lang="en-US"/>
           </a:p>
@@ -1811,7 +1815,7 @@
           <a:p>
             <a:fld id="{03153A9F-FCC4-403E-A36C-387386DA85F5}" type="datetimeFigureOut">
               <a:rPr lang="en-US" smtClean="0"/>
-              <a:t>2023-04-10</a:t>
+              <a:t>2023-04-17</a:t>
             </a:fld>
             <a:endParaRPr lang="en-US"/>
           </a:p>
@@ -1952,7 +1956,7 @@
           <a:p>
             <a:fld id="{03153A9F-FCC4-403E-A36C-387386DA85F5}" type="datetimeFigureOut">
               <a:rPr lang="en-US" smtClean="0"/>
-              <a:t>2023-04-10</a:t>
+              <a:t>2023-04-17</a:t>
             </a:fld>
             <a:endParaRPr lang="en-US"/>
           </a:p>
@@ -2065,7 +2069,7 @@
           <a:p>
             <a:fld id="{03153A9F-FCC4-403E-A36C-387386DA85F5}" type="datetimeFigureOut">
               <a:rPr lang="en-US" smtClean="0"/>
-              <a:t>2023-04-10</a:t>
+              <a:t>2023-04-17</a:t>
             </a:fld>
             <a:endParaRPr lang="en-US"/>
           </a:p>
@@ -2376,7 +2380,7 @@
           <a:p>
             <a:fld id="{03153A9F-FCC4-403E-A36C-387386DA85F5}" type="datetimeFigureOut">
               <a:rPr lang="en-US" smtClean="0"/>
-              <a:t>2023-04-10</a:t>
+              <a:t>2023-04-17</a:t>
             </a:fld>
             <a:endParaRPr lang="en-US"/>
           </a:p>
@@ -2664,7 +2668,7 @@
           <a:p>
             <a:fld id="{03153A9F-FCC4-403E-A36C-387386DA85F5}" type="datetimeFigureOut">
               <a:rPr lang="en-US" smtClean="0"/>
-              <a:t>2023-04-10</a:t>
+              <a:t>2023-04-17</a:t>
             </a:fld>
             <a:endParaRPr lang="en-US"/>
           </a:p>
@@ -2905,7 +2909,7 @@
           <a:p>
             <a:fld id="{03153A9F-FCC4-403E-A36C-387386DA85F5}" type="datetimeFigureOut">
               <a:rPr lang="en-US" smtClean="0"/>
-              <a:t>2023-04-10</a:t>
+              <a:t>2023-04-17</a:t>
             </a:fld>
             <a:endParaRPr lang="en-US"/>
           </a:p>
@@ -3733,7 +3737,7 @@
         </p:blipFill>
         <p:spPr bwMode="auto">
           <a:xfrm rot="1595596">
-            <a:off x="651056" y="4574591"/>
+            <a:off x="651056" y="4829773"/>
             <a:ext cx="853075" cy="986954"/>
           </a:xfrm>
           <a:prstGeom prst="rect">
@@ -3802,7 +3806,7 @@
         </p:blipFill>
         <p:spPr bwMode="auto">
           <a:xfrm rot="11894712">
-            <a:off x="10308810" y="4544590"/>
+            <a:off x="10308810" y="4884838"/>
             <a:ext cx="853075" cy="986954"/>
           </a:xfrm>
           <a:prstGeom prst="rect">
@@ -3871,7 +3875,7 @@
         </p:blipFill>
         <p:spPr bwMode="auto">
           <a:xfrm rot="11894712">
-            <a:off x="10308809" y="1326456"/>
+            <a:off x="10308809" y="1549743"/>
             <a:ext cx="853075" cy="986954"/>
           </a:xfrm>
           <a:prstGeom prst="rect">
@@ -3940,7 +3944,7 @@
         </p:blipFill>
         <p:spPr bwMode="auto">
           <a:xfrm rot="1595596">
-            <a:off x="651056" y="1296455"/>
+            <a:off x="651056" y="1530379"/>
             <a:ext cx="853075" cy="986954"/>
           </a:xfrm>
           <a:prstGeom prst="rect">
@@ -4356,7 +4360,7 @@
             <a:pPr algn="ctr"/>
             <a:r>
               <a:rPr lang="en-US" dirty="0"/>
-              <a:t>Fish Immigration</a:t>
+              <a:t>Fish Movement</a:t>
             </a:r>
           </a:p>
         </p:txBody>
@@ -4375,7 +4379,7 @@
         </p:nvSpPr>
         <p:spPr>
           <a:xfrm>
-            <a:off x="5142659" y="1191830"/>
+            <a:off x="5142659" y="1223729"/>
             <a:ext cx="1484894" cy="369332"/>
           </a:xfrm>
           <a:prstGeom prst="rect">
@@ -5725,331 +5729,250 @@
           </p:txBody>
         </p:sp>
       </p:grpSp>
+      <p:pic>
+        <p:nvPicPr>
+          <p:cNvPr id="13" name="Picture 12">
+            <a:extLst>
+              <a:ext uri="{FF2B5EF4-FFF2-40B4-BE49-F238E27FC236}">
+                <a16:creationId xmlns:a16="http://schemas.microsoft.com/office/drawing/2014/main" id="{D4810D2B-6CDE-0C2E-2E21-7E15F627B3F3}"/>
+              </a:ext>
+            </a:extLst>
+          </p:cNvPr>
+          <p:cNvPicPr>
+            <a:picLocks noChangeAspect="1"/>
+          </p:cNvPicPr>
+          <p:nvPr/>
+        </p:nvPicPr>
+        <p:blipFill>
+          <a:blip r:embed="rId4"/>
+          <a:stretch>
+            <a:fillRect/>
+          </a:stretch>
+        </p:blipFill>
+        <p:spPr>
+          <a:xfrm>
+            <a:off x="10735346" y="1341103"/>
+            <a:ext cx="1067583" cy="243247"/>
+          </a:xfrm>
+          <a:prstGeom prst="rect">
+            <a:avLst/>
+          </a:prstGeom>
+        </p:spPr>
+      </p:pic>
+      <p:pic>
+        <p:nvPicPr>
+          <p:cNvPr id="19" name="Picture 18">
+            <a:extLst>
+              <a:ext uri="{FF2B5EF4-FFF2-40B4-BE49-F238E27FC236}">
+                <a16:creationId xmlns:a16="http://schemas.microsoft.com/office/drawing/2014/main" id="{4EABE6AB-9B14-865B-37F7-CDCF92288F87}"/>
+              </a:ext>
+            </a:extLst>
+          </p:cNvPr>
+          <p:cNvPicPr>
+            <a:picLocks noChangeAspect="1"/>
+          </p:cNvPicPr>
+          <p:nvPr/>
+        </p:nvPicPr>
+        <p:blipFill>
+          <a:blip r:embed="rId5"/>
+          <a:stretch>
+            <a:fillRect/>
+          </a:stretch>
+        </p:blipFill>
+        <p:spPr>
+          <a:xfrm>
+            <a:off x="10735346" y="4644066"/>
+            <a:ext cx="1063726" cy="265931"/>
+          </a:xfrm>
+          <a:prstGeom prst="rect">
+            <a:avLst/>
+          </a:prstGeom>
+        </p:spPr>
+      </p:pic>
+      <p:pic>
+        <p:nvPicPr>
+          <p:cNvPr id="22" name="Picture 21">
+            <a:extLst>
+              <a:ext uri="{FF2B5EF4-FFF2-40B4-BE49-F238E27FC236}">
+                <a16:creationId xmlns:a16="http://schemas.microsoft.com/office/drawing/2014/main" id="{EC0290FE-E373-951E-317D-DD86EBDA44D0}"/>
+              </a:ext>
+            </a:extLst>
+          </p:cNvPr>
+          <p:cNvPicPr>
+            <a:picLocks noChangeAspect="1"/>
+          </p:cNvPicPr>
+          <p:nvPr/>
+        </p:nvPicPr>
+        <p:blipFill>
+          <a:blip r:embed="rId6"/>
+          <a:stretch>
+            <a:fillRect/>
+          </a:stretch>
+        </p:blipFill>
+        <p:spPr>
+          <a:xfrm>
+            <a:off x="5369293" y="5107109"/>
+            <a:ext cx="1038695" cy="379738"/>
+          </a:xfrm>
+          <a:prstGeom prst="rect">
+            <a:avLst/>
+          </a:prstGeom>
+        </p:spPr>
+      </p:pic>
+      <p:pic>
+        <p:nvPicPr>
+          <p:cNvPr id="25" name="Picture 24">
+            <a:extLst>
+              <a:ext uri="{FF2B5EF4-FFF2-40B4-BE49-F238E27FC236}">
+                <a16:creationId xmlns:a16="http://schemas.microsoft.com/office/drawing/2014/main" id="{34B45F97-25F0-1FFD-FDF1-01AE36C83A20}"/>
+              </a:ext>
+            </a:extLst>
+          </p:cNvPr>
+          <p:cNvPicPr>
+            <a:picLocks noChangeAspect="1"/>
+          </p:cNvPicPr>
+          <p:nvPr/>
+        </p:nvPicPr>
+        <p:blipFill>
+          <a:blip r:embed="rId7"/>
+          <a:stretch>
+            <a:fillRect/>
+          </a:stretch>
+        </p:blipFill>
+        <p:spPr>
+          <a:xfrm>
+            <a:off x="5350191" y="1823607"/>
+            <a:ext cx="1040843" cy="369332"/>
+          </a:xfrm>
+          <a:prstGeom prst="rect">
+            <a:avLst/>
+          </a:prstGeom>
+        </p:spPr>
+      </p:pic>
+      <p:pic>
+        <p:nvPicPr>
+          <p:cNvPr id="29" name="Picture 28">
+            <a:extLst>
+              <a:ext uri="{FF2B5EF4-FFF2-40B4-BE49-F238E27FC236}">
+                <a16:creationId xmlns:a16="http://schemas.microsoft.com/office/drawing/2014/main" id="{5188BAEF-A5AF-2574-787A-98AA1E49A104}"/>
+              </a:ext>
+            </a:extLst>
+          </p:cNvPr>
+          <p:cNvPicPr>
+            <a:picLocks noChangeAspect="1"/>
+          </p:cNvPicPr>
+          <p:nvPr/>
+        </p:nvPicPr>
+        <p:blipFill>
+          <a:blip r:embed="rId8"/>
+          <a:stretch>
+            <a:fillRect/>
+          </a:stretch>
+        </p:blipFill>
+        <p:spPr>
+          <a:xfrm>
+            <a:off x="3668237" y="3710658"/>
+            <a:ext cx="176080" cy="220100"/>
+          </a:xfrm>
+          <a:prstGeom prst="rect">
+            <a:avLst/>
+          </a:prstGeom>
+        </p:spPr>
+      </p:pic>
+      <p:pic>
+        <p:nvPicPr>
+          <p:cNvPr id="40" name="Picture 39">
+            <a:extLst>
+              <a:ext uri="{FF2B5EF4-FFF2-40B4-BE49-F238E27FC236}">
+                <a16:creationId xmlns:a16="http://schemas.microsoft.com/office/drawing/2014/main" id="{CD00BDB6-68FE-C33D-08B2-24AF1487C019}"/>
+              </a:ext>
+            </a:extLst>
+          </p:cNvPr>
+          <p:cNvPicPr>
+            <a:picLocks noChangeAspect="1"/>
+          </p:cNvPicPr>
+          <p:nvPr/>
+        </p:nvPicPr>
+        <p:blipFill>
+          <a:blip r:embed="rId9"/>
+          <a:stretch>
+            <a:fillRect/>
+          </a:stretch>
+        </p:blipFill>
+        <p:spPr>
+          <a:xfrm>
+            <a:off x="7970646" y="3642991"/>
+            <a:ext cx="155144" cy="258573"/>
+          </a:xfrm>
+          <a:prstGeom prst="rect">
+            <a:avLst/>
+          </a:prstGeom>
+        </p:spPr>
+      </p:pic>
+      <p:pic>
+        <p:nvPicPr>
+          <p:cNvPr id="42" name="Picture 41">
+            <a:extLst>
+              <a:ext uri="{FF2B5EF4-FFF2-40B4-BE49-F238E27FC236}">
+                <a16:creationId xmlns:a16="http://schemas.microsoft.com/office/drawing/2014/main" id="{DF24A9E1-1CA9-CA3A-6909-292684FF5438}"/>
+              </a:ext>
+            </a:extLst>
+          </p:cNvPr>
+          <p:cNvPicPr>
+            <a:picLocks noChangeAspect="1"/>
+          </p:cNvPicPr>
+          <p:nvPr/>
+        </p:nvPicPr>
+        <p:blipFill>
+          <a:blip r:embed="rId10"/>
+          <a:stretch>
+            <a:fillRect/>
+          </a:stretch>
+        </p:blipFill>
+        <p:spPr>
+          <a:xfrm>
+            <a:off x="81422" y="1347102"/>
+            <a:ext cx="1319453" cy="187220"/>
+          </a:xfrm>
+          <a:prstGeom prst="rect">
+            <a:avLst/>
+          </a:prstGeom>
+        </p:spPr>
+      </p:pic>
+      <p:pic>
+        <p:nvPicPr>
+          <p:cNvPr id="44" name="Picture 43">
+            <a:extLst>
+              <a:ext uri="{FF2B5EF4-FFF2-40B4-BE49-F238E27FC236}">
+                <a16:creationId xmlns:a16="http://schemas.microsoft.com/office/drawing/2014/main" id="{CFB5622F-8BC1-FF23-AA79-1C9A65B483A8}"/>
+              </a:ext>
+            </a:extLst>
+          </p:cNvPr>
+          <p:cNvPicPr>
+            <a:picLocks noChangeAspect="1"/>
+          </p:cNvPicPr>
+          <p:nvPr/>
+        </p:nvPicPr>
+        <p:blipFill>
+          <a:blip r:embed="rId11"/>
+          <a:stretch>
+            <a:fillRect/>
+          </a:stretch>
+        </p:blipFill>
+        <p:spPr>
+          <a:xfrm>
+            <a:off x="43281" y="4681832"/>
+            <a:ext cx="1286358" cy="159686"/>
+          </a:xfrm>
+          <a:prstGeom prst="rect">
+            <a:avLst/>
+          </a:prstGeom>
+        </p:spPr>
+      </p:pic>
     </p:spTree>
     <p:extLst>
       <p:ext uri="{BB962C8B-B14F-4D97-AF65-F5344CB8AC3E}">
         <p14:creationId xmlns:p14="http://schemas.microsoft.com/office/powerpoint/2010/main" val="3580314777"/>
-      </p:ext>
-    </p:extLst>
-  </p:cSld>
-  <p:clrMapOvr>
-    <a:masterClrMapping/>
-  </p:clrMapOvr>
-</p:sld>
-</file>
-
-<file path=ppt/slides/slide2.xml><?xml version="1.0" encoding="utf-8"?>
-<p:sld xmlns:a="http://schemas.openxmlformats.org/drawingml/2006/main" xmlns:r="http://schemas.openxmlformats.org/officeDocument/2006/relationships" xmlns:p="http://schemas.openxmlformats.org/presentationml/2006/main">
-  <p:cSld>
-    <p:spTree>
-      <p:nvGrpSpPr>
-        <p:cNvPr id="1" name=""/>
-        <p:cNvGrpSpPr/>
-        <p:nvPr/>
-      </p:nvGrpSpPr>
-      <p:grpSpPr>
-        <a:xfrm>
-          <a:off x="0" y="0"/>
-          <a:ext cx="0" cy="0"/>
-          <a:chOff x="0" y="0"/>
-          <a:chExt cx="0" cy="0"/>
-        </a:xfrm>
-      </p:grpSpPr>
-      <p:grpSp>
-        <p:nvGrpSpPr>
-          <p:cNvPr id="9" name="Group 8">
-            <a:extLst>
-              <a:ext uri="{FF2B5EF4-FFF2-40B4-BE49-F238E27FC236}">
-                <a16:creationId xmlns:a16="http://schemas.microsoft.com/office/drawing/2014/main" id="{C7E83ABF-F4A3-8B65-82CE-0723BAA3E29E}"/>
-              </a:ext>
-            </a:extLst>
-          </p:cNvPr>
-          <p:cNvGrpSpPr/>
-          <p:nvPr/>
-        </p:nvGrpSpPr>
-        <p:grpSpPr>
-          <a:xfrm>
-            <a:off x="2522574" y="1910179"/>
-            <a:ext cx="2368403" cy="1481612"/>
-            <a:chOff x="2522574" y="1910179"/>
-            <a:chExt cx="2368403" cy="1481612"/>
-          </a:xfrm>
-        </p:grpSpPr>
-        <p:sp>
-          <p:nvSpPr>
-            <p:cNvPr id="4" name="Oval 3">
-              <a:extLst>
-                <a:ext uri="{FF2B5EF4-FFF2-40B4-BE49-F238E27FC236}">
-                  <a16:creationId xmlns:a16="http://schemas.microsoft.com/office/drawing/2014/main" id="{39B882A7-5CCA-D153-BC3A-207F633ADE34}"/>
-                </a:ext>
-              </a:extLst>
-            </p:cNvPr>
-            <p:cNvSpPr/>
-            <p:nvPr/>
-          </p:nvSpPr>
-          <p:spPr>
-            <a:xfrm>
-              <a:off x="2541181" y="2200940"/>
-              <a:ext cx="1850066" cy="818707"/>
-            </a:xfrm>
-            <a:prstGeom prst="ellipse">
-              <a:avLst/>
-            </a:prstGeom>
-            <a:solidFill>
-              <a:schemeClr val="tx1"/>
-            </a:solidFill>
-            <a:ln>
-              <a:solidFill>
-                <a:schemeClr val="tx1"/>
-              </a:solidFill>
-            </a:ln>
-          </p:spPr>
-          <p:style>
-            <a:lnRef idx="2">
-              <a:schemeClr val="accent1">
-                <a:shade val="50000"/>
-              </a:schemeClr>
-            </a:lnRef>
-            <a:fillRef idx="1">
-              <a:schemeClr val="accent1"/>
-            </a:fillRef>
-            <a:effectRef idx="0">
-              <a:schemeClr val="accent1"/>
-            </a:effectRef>
-            <a:fontRef idx="minor">
-              <a:schemeClr val="lt1"/>
-            </a:fontRef>
-          </p:style>
-          <p:txBody>
-            <a:bodyPr rtlCol="0" anchor="ctr"/>
-            <a:lstStyle/>
-            <a:p>
-              <a:pPr algn="ctr"/>
-              <a:endParaRPr lang="en-US"/>
-            </a:p>
-          </p:txBody>
-        </p:sp>
-        <p:sp>
-          <p:nvSpPr>
-            <p:cNvPr id="5" name="Isosceles Triangle 4">
-              <a:extLst>
-                <a:ext uri="{FF2B5EF4-FFF2-40B4-BE49-F238E27FC236}">
-                  <a16:creationId xmlns:a16="http://schemas.microsoft.com/office/drawing/2014/main" id="{E710C09E-D199-B4D6-E81D-9D2F8C6F27F9}"/>
-                </a:ext>
-              </a:extLst>
-            </p:cNvPr>
-            <p:cNvSpPr/>
-            <p:nvPr/>
-          </p:nvSpPr>
-          <p:spPr>
-            <a:xfrm rot="1529607">
-              <a:off x="4178596" y="2200939"/>
-              <a:ext cx="712381" cy="595423"/>
-            </a:xfrm>
-            <a:prstGeom prst="triangle">
-              <a:avLst/>
-            </a:prstGeom>
-            <a:solidFill>
-              <a:schemeClr val="tx1"/>
-            </a:solidFill>
-            <a:ln>
-              <a:solidFill>
-                <a:schemeClr val="tx1"/>
-              </a:solidFill>
-            </a:ln>
-          </p:spPr>
-          <p:style>
-            <a:lnRef idx="2">
-              <a:schemeClr val="accent1">
-                <a:shade val="50000"/>
-              </a:schemeClr>
-            </a:lnRef>
-            <a:fillRef idx="1">
-              <a:schemeClr val="accent1"/>
-            </a:fillRef>
-            <a:effectRef idx="0">
-              <a:schemeClr val="accent1"/>
-            </a:effectRef>
-            <a:fontRef idx="minor">
-              <a:schemeClr val="lt1"/>
-            </a:fontRef>
-          </p:style>
-          <p:txBody>
-            <a:bodyPr rtlCol="0" anchor="ctr"/>
-            <a:lstStyle/>
-            <a:p>
-              <a:pPr algn="ctr"/>
-              <a:endParaRPr lang="en-US"/>
-            </a:p>
-          </p:txBody>
-        </p:sp>
-        <p:sp>
-          <p:nvSpPr>
-            <p:cNvPr id="6" name="Isosceles Triangle 5">
-              <a:extLst>
-                <a:ext uri="{FF2B5EF4-FFF2-40B4-BE49-F238E27FC236}">
-                  <a16:creationId xmlns:a16="http://schemas.microsoft.com/office/drawing/2014/main" id="{E67BC230-1ED9-5690-B38D-59584492D4AD}"/>
-                </a:ext>
-              </a:extLst>
-            </p:cNvPr>
-            <p:cNvSpPr/>
-            <p:nvPr/>
-          </p:nvSpPr>
-          <p:spPr>
-            <a:xfrm rot="10800000">
-              <a:off x="3354572" y="2934591"/>
-              <a:ext cx="223284" cy="457200"/>
-            </a:xfrm>
-            <a:prstGeom prst="triangle">
-              <a:avLst/>
-            </a:prstGeom>
-            <a:solidFill>
-              <a:schemeClr val="tx1"/>
-            </a:solidFill>
-            <a:ln>
-              <a:solidFill>
-                <a:schemeClr val="tx1"/>
-              </a:solidFill>
-            </a:ln>
-          </p:spPr>
-          <p:style>
-            <a:lnRef idx="2">
-              <a:schemeClr val="accent1">
-                <a:shade val="50000"/>
-              </a:schemeClr>
-            </a:lnRef>
-            <a:fillRef idx="1">
-              <a:schemeClr val="accent1"/>
-            </a:fillRef>
-            <a:effectRef idx="0">
-              <a:schemeClr val="accent1"/>
-            </a:effectRef>
-            <a:fontRef idx="minor">
-              <a:schemeClr val="lt1"/>
-            </a:fontRef>
-          </p:style>
-          <p:txBody>
-            <a:bodyPr rtlCol="0" anchor="ctr"/>
-            <a:lstStyle/>
-            <a:p>
-              <a:pPr algn="ctr"/>
-              <a:endParaRPr lang="en-US"/>
-            </a:p>
-          </p:txBody>
-        </p:sp>
-        <p:sp>
-          <p:nvSpPr>
-            <p:cNvPr id="7" name="Isosceles Triangle 6">
-              <a:extLst>
-                <a:ext uri="{FF2B5EF4-FFF2-40B4-BE49-F238E27FC236}">
-                  <a16:creationId xmlns:a16="http://schemas.microsoft.com/office/drawing/2014/main" id="{D79B0401-871D-9FB6-D7F7-DAF49BC29F40}"/>
-                </a:ext>
-              </a:extLst>
-            </p:cNvPr>
-            <p:cNvSpPr/>
-            <p:nvPr/>
-          </p:nvSpPr>
-          <p:spPr>
-            <a:xfrm rot="5400000">
-              <a:off x="2639532" y="2381693"/>
-              <a:ext cx="223284" cy="457200"/>
-            </a:xfrm>
-            <a:prstGeom prst="triangle">
-              <a:avLst/>
-            </a:prstGeom>
-            <a:solidFill>
-              <a:schemeClr val="bg1"/>
-            </a:solidFill>
-            <a:ln>
-              <a:solidFill>
-                <a:schemeClr val="bg1"/>
-              </a:solidFill>
-            </a:ln>
-          </p:spPr>
-          <p:style>
-            <a:lnRef idx="2">
-              <a:schemeClr val="accent1">
-                <a:shade val="50000"/>
-              </a:schemeClr>
-            </a:lnRef>
-            <a:fillRef idx="1">
-              <a:schemeClr val="accent1"/>
-            </a:fillRef>
-            <a:effectRef idx="0">
-              <a:schemeClr val="accent1"/>
-            </a:effectRef>
-            <a:fontRef idx="minor">
-              <a:schemeClr val="lt1"/>
-            </a:fontRef>
-          </p:style>
-          <p:txBody>
-            <a:bodyPr rtlCol="0" anchor="ctr"/>
-            <a:lstStyle/>
-            <a:p>
-              <a:pPr algn="ctr"/>
-              <a:endParaRPr lang="en-US"/>
-            </a:p>
-          </p:txBody>
-        </p:sp>
-        <p:sp>
-          <p:nvSpPr>
-            <p:cNvPr id="8" name="Isosceles Triangle 7">
-              <a:extLst>
-                <a:ext uri="{FF2B5EF4-FFF2-40B4-BE49-F238E27FC236}">
-                  <a16:creationId xmlns:a16="http://schemas.microsoft.com/office/drawing/2014/main" id="{CB0EDD87-074E-587D-45E6-F7FEE9E243BA}"/>
-                </a:ext>
-              </a:extLst>
-            </p:cNvPr>
-            <p:cNvSpPr/>
-            <p:nvPr/>
-          </p:nvSpPr>
-          <p:spPr>
-            <a:xfrm>
-              <a:off x="3309173" y="1910179"/>
-              <a:ext cx="223284" cy="457200"/>
-            </a:xfrm>
-            <a:prstGeom prst="triangle">
-              <a:avLst/>
-            </a:prstGeom>
-            <a:solidFill>
-              <a:schemeClr val="tx1"/>
-            </a:solidFill>
-            <a:ln>
-              <a:solidFill>
-                <a:schemeClr val="tx1"/>
-              </a:solidFill>
-            </a:ln>
-          </p:spPr>
-          <p:style>
-            <a:lnRef idx="2">
-              <a:schemeClr val="accent1">
-                <a:shade val="50000"/>
-              </a:schemeClr>
-            </a:lnRef>
-            <a:fillRef idx="1">
-              <a:schemeClr val="accent1"/>
-            </a:fillRef>
-            <a:effectRef idx="0">
-              <a:schemeClr val="accent1"/>
-            </a:effectRef>
-            <a:fontRef idx="minor">
-              <a:schemeClr val="lt1"/>
-            </a:fontRef>
-          </p:style>
-          <p:txBody>
-            <a:bodyPr rtlCol="0" anchor="ctr"/>
-            <a:lstStyle/>
-            <a:p>
-              <a:pPr algn="ctr"/>
-              <a:endParaRPr lang="en-US"/>
-            </a:p>
-          </p:txBody>
-        </p:sp>
-      </p:grpSp>
-    </p:spTree>
-    <p:extLst>
-      <p:ext uri="{BB962C8B-B14F-4D97-AF65-F5344CB8AC3E}">
-        <p14:creationId xmlns:p14="http://schemas.microsoft.com/office/powerpoint/2010/main" val="2573666944"/>
       </p:ext>
     </p:extLst>
   </p:cSld>

--- a/Proposal/Soc_Ecol_Model/CoupledModelConceptual.pptx
+++ b/Proposal/Soc_Ecol_Model/CoupledModelConceptual.pptx
@@ -259,7 +259,7 @@
           <a:p>
             <a:fld id="{03153A9F-FCC4-403E-A36C-387386DA85F5}" type="datetimeFigureOut">
               <a:rPr lang="en-US" smtClean="0"/>
-              <a:t>2023-04-17</a:t>
+              <a:t>2023-04-26</a:t>
             </a:fld>
             <a:endParaRPr lang="en-US"/>
           </a:p>
@@ -457,7 +457,7 @@
           <a:p>
             <a:fld id="{03153A9F-FCC4-403E-A36C-387386DA85F5}" type="datetimeFigureOut">
               <a:rPr lang="en-US" smtClean="0"/>
-              <a:t>2023-04-17</a:t>
+              <a:t>2023-04-26</a:t>
             </a:fld>
             <a:endParaRPr lang="en-US"/>
           </a:p>
@@ -665,7 +665,7 @@
           <a:p>
             <a:fld id="{03153A9F-FCC4-403E-A36C-387386DA85F5}" type="datetimeFigureOut">
               <a:rPr lang="en-US" smtClean="0"/>
-              <a:t>2023-04-17</a:t>
+              <a:t>2023-04-26</a:t>
             </a:fld>
             <a:endParaRPr lang="en-US"/>
           </a:p>
@@ -863,7 +863,7 @@
           <a:p>
             <a:fld id="{03153A9F-FCC4-403E-A36C-387386DA85F5}" type="datetimeFigureOut">
               <a:rPr lang="en-US" smtClean="0"/>
-              <a:t>2023-04-17</a:t>
+              <a:t>2023-04-26</a:t>
             </a:fld>
             <a:endParaRPr lang="en-US"/>
           </a:p>
@@ -1138,7 +1138,7 @@
           <a:p>
             <a:fld id="{03153A9F-FCC4-403E-A36C-387386DA85F5}" type="datetimeFigureOut">
               <a:rPr lang="en-US" smtClean="0"/>
-              <a:t>2023-04-17</a:t>
+              <a:t>2023-04-26</a:t>
             </a:fld>
             <a:endParaRPr lang="en-US"/>
           </a:p>
@@ -1403,7 +1403,7 @@
           <a:p>
             <a:fld id="{03153A9F-FCC4-403E-A36C-387386DA85F5}" type="datetimeFigureOut">
               <a:rPr lang="en-US" smtClean="0"/>
-              <a:t>2023-04-17</a:t>
+              <a:t>2023-04-26</a:t>
             </a:fld>
             <a:endParaRPr lang="en-US"/>
           </a:p>
@@ -1815,7 +1815,7 @@
           <a:p>
             <a:fld id="{03153A9F-FCC4-403E-A36C-387386DA85F5}" type="datetimeFigureOut">
               <a:rPr lang="en-US" smtClean="0"/>
-              <a:t>2023-04-17</a:t>
+              <a:t>2023-04-26</a:t>
             </a:fld>
             <a:endParaRPr lang="en-US"/>
           </a:p>
@@ -1956,7 +1956,7 @@
           <a:p>
             <a:fld id="{03153A9F-FCC4-403E-A36C-387386DA85F5}" type="datetimeFigureOut">
               <a:rPr lang="en-US" smtClean="0"/>
-              <a:t>2023-04-17</a:t>
+              <a:t>2023-04-26</a:t>
             </a:fld>
             <a:endParaRPr lang="en-US"/>
           </a:p>
@@ -2069,7 +2069,7 @@
           <a:p>
             <a:fld id="{03153A9F-FCC4-403E-A36C-387386DA85F5}" type="datetimeFigureOut">
               <a:rPr lang="en-US" smtClean="0"/>
-              <a:t>2023-04-17</a:t>
+              <a:t>2023-04-26</a:t>
             </a:fld>
             <a:endParaRPr lang="en-US"/>
           </a:p>
@@ -2380,7 +2380,7 @@
           <a:p>
             <a:fld id="{03153A9F-FCC4-403E-A36C-387386DA85F5}" type="datetimeFigureOut">
               <a:rPr lang="en-US" smtClean="0"/>
-              <a:t>2023-04-17</a:t>
+              <a:t>2023-04-26</a:t>
             </a:fld>
             <a:endParaRPr lang="en-US"/>
           </a:p>
@@ -2668,7 +2668,7 @@
           <a:p>
             <a:fld id="{03153A9F-FCC4-403E-A36C-387386DA85F5}" type="datetimeFigureOut">
               <a:rPr lang="en-US" smtClean="0"/>
-              <a:t>2023-04-17</a:t>
+              <a:t>2023-04-26</a:t>
             </a:fld>
             <a:endParaRPr lang="en-US"/>
           </a:p>
@@ -2909,7 +2909,7 @@
           <a:p>
             <a:fld id="{03153A9F-FCC4-403E-A36C-387386DA85F5}" type="datetimeFigureOut">
               <a:rPr lang="en-US" smtClean="0"/>
-              <a:t>2023-04-17</a:t>
+              <a:t>2023-04-26</a:t>
             </a:fld>
             <a:endParaRPr lang="en-US"/>
           </a:p>
@@ -3410,7 +3410,7 @@
         </p:nvSpPr>
         <p:spPr>
           <a:xfrm>
-            <a:off x="1456651" y="4033291"/>
+            <a:off x="1850068" y="4033291"/>
             <a:ext cx="3179135" cy="1924493"/>
           </a:xfrm>
           <a:prstGeom prst="roundRect">
@@ -3478,7 +3478,7 @@
         </p:nvSpPr>
         <p:spPr>
           <a:xfrm>
-            <a:off x="1456651" y="797450"/>
+            <a:off x="1850068" y="797450"/>
             <a:ext cx="3179135" cy="1924493"/>
           </a:xfrm>
           <a:prstGeom prst="roundRect">
@@ -3616,8 +3616,8 @@
         </p:nvCxnSpPr>
         <p:spPr>
           <a:xfrm flipH="1">
-            <a:off x="4635786" y="1717166"/>
-            <a:ext cx="2498643" cy="42531"/>
+            <a:off x="5029203" y="1717166"/>
+            <a:ext cx="2105226" cy="42531"/>
           </a:xfrm>
           <a:prstGeom prst="straightConnector1">
             <a:avLst/>
@@ -3653,13 +3653,17 @@
               </a:ext>
             </a:extLst>
           </p:cNvPr>
-          <p:cNvCxnSpPr/>
+          <p:cNvCxnSpPr>
+            <a:cxnSpLocks/>
+            <a:stCxn id="9" idx="1"/>
+            <a:endCxn id="8" idx="3"/>
+          </p:cNvCxnSpPr>
           <p:nvPr/>
         </p:nvCxnSpPr>
         <p:spPr>
-          <a:xfrm flipH="1">
-            <a:off x="4635785" y="4995537"/>
-            <a:ext cx="2498643" cy="42531"/>
+          <a:xfrm flipH="1" flipV="1">
+            <a:off x="5029203" y="4995538"/>
+            <a:ext cx="2105225" cy="42530"/>
           </a:xfrm>
           <a:prstGeom prst="straightConnector1">
             <a:avLst/>
@@ -3737,7 +3741,7 @@
         </p:blipFill>
         <p:spPr bwMode="auto">
           <a:xfrm rot="1595596">
-            <a:off x="651056" y="4829773"/>
+            <a:off x="1044473" y="4829773"/>
             <a:ext cx="853075" cy="986954"/>
           </a:xfrm>
           <a:prstGeom prst="rect">
@@ -3944,7 +3948,7 @@
         </p:blipFill>
         <p:spPr bwMode="auto">
           <a:xfrm rot="1595596">
-            <a:off x="651056" y="1530379"/>
+            <a:off x="1044473" y="1530379"/>
             <a:ext cx="853075" cy="986954"/>
           </a:xfrm>
           <a:prstGeom prst="rect">
@@ -3979,7 +3983,7 @@
         </p:nvCxnSpPr>
         <p:spPr>
           <a:xfrm>
-            <a:off x="3046219" y="2955851"/>
+            <a:off x="3439636" y="2955851"/>
             <a:ext cx="0" cy="1077440"/>
           </a:xfrm>
           <a:prstGeom prst="straightConnector1">
@@ -4023,7 +4027,7 @@
         </p:nvCxnSpPr>
         <p:spPr>
           <a:xfrm flipV="1">
-            <a:off x="3046218" y="2721943"/>
+            <a:off x="3439635" y="2721943"/>
             <a:ext cx="0" cy="811627"/>
           </a:xfrm>
           <a:prstGeom prst="straightConnector1">
@@ -4199,7 +4203,7 @@
         </p:nvSpPr>
         <p:spPr>
           <a:xfrm>
-            <a:off x="0" y="668610"/>
+            <a:off x="393417" y="668610"/>
             <a:ext cx="1456651" cy="707886"/>
           </a:xfrm>
           <a:prstGeom prst="rect">
@@ -4235,7 +4239,7 @@
         </p:nvSpPr>
         <p:spPr>
           <a:xfrm>
-            <a:off x="-66458" y="4031099"/>
+            <a:off x="199363" y="4031099"/>
             <a:ext cx="1456651" cy="707886"/>
           </a:xfrm>
           <a:prstGeom prst="rect">
@@ -4379,7 +4383,7 @@
         </p:nvSpPr>
         <p:spPr>
           <a:xfrm>
-            <a:off x="5142659" y="1223729"/>
+            <a:off x="5344682" y="1223729"/>
             <a:ext cx="1484894" cy="369332"/>
           </a:xfrm>
           <a:prstGeom prst="rect">
@@ -4414,7 +4418,7 @@
         </p:nvSpPr>
         <p:spPr>
           <a:xfrm>
-            <a:off x="5142659" y="4554319"/>
+            <a:off x="5344682" y="4554319"/>
             <a:ext cx="1484894" cy="369332"/>
           </a:xfrm>
           <a:prstGeom prst="rect">
@@ -4449,7 +4453,7 @@
         </p:nvSpPr>
         <p:spPr>
           <a:xfrm>
-            <a:off x="2915113" y="3137099"/>
+            <a:off x="3308530" y="3137099"/>
             <a:ext cx="1837642" cy="646331"/>
           </a:xfrm>
           <a:prstGeom prst="rect">
@@ -4485,7 +4489,7 @@
         </p:nvGrpSpPr>
         <p:grpSpPr>
           <a:xfrm>
-            <a:off x="2661292" y="900216"/>
+            <a:off x="3054709" y="900216"/>
             <a:ext cx="665783" cy="1171776"/>
             <a:chOff x="2128768" y="1922950"/>
             <a:chExt cx="1496575" cy="2824052"/>
@@ -5411,7 +5415,7 @@
         </p:nvGrpSpPr>
         <p:grpSpPr>
           <a:xfrm>
-            <a:off x="2687540" y="4132768"/>
+            <a:off x="3080957" y="4132768"/>
             <a:ext cx="665783" cy="1171776"/>
             <a:chOff x="2128768" y="1922950"/>
             <a:chExt cx="1496575" cy="2824052"/>
@@ -5811,7 +5815,7 @@
         </p:blipFill>
         <p:spPr>
           <a:xfrm>
-            <a:off x="5369293" y="5107109"/>
+            <a:off x="5571316" y="5107109"/>
             <a:ext cx="1038695" cy="379738"/>
           </a:xfrm>
           <a:prstGeom prst="rect">
@@ -5841,7 +5845,7 @@
         </p:blipFill>
         <p:spPr>
           <a:xfrm>
-            <a:off x="5350191" y="1823607"/>
+            <a:off x="5552214" y="1823607"/>
             <a:ext cx="1040843" cy="369332"/>
           </a:xfrm>
           <a:prstGeom prst="rect">
@@ -5871,7 +5875,7 @@
         </p:blipFill>
         <p:spPr>
           <a:xfrm>
-            <a:off x="3668237" y="3710658"/>
+            <a:off x="4061654" y="3710658"/>
             <a:ext cx="176080" cy="220100"/>
           </a:xfrm>
           <a:prstGeom prst="rect">
@@ -5881,10 +5885,10 @@
       </p:pic>
       <p:pic>
         <p:nvPicPr>
-          <p:cNvPr id="40" name="Picture 39">
-            <a:extLst>
-              <a:ext uri="{FF2B5EF4-FFF2-40B4-BE49-F238E27FC236}">
-                <a16:creationId xmlns:a16="http://schemas.microsoft.com/office/drawing/2014/main" id="{CD00BDB6-68FE-C33D-08B2-24AF1487C019}"/>
+          <p:cNvPr id="42" name="Picture 41">
+            <a:extLst>
+              <a:ext uri="{FF2B5EF4-FFF2-40B4-BE49-F238E27FC236}">
+                <a16:creationId xmlns:a16="http://schemas.microsoft.com/office/drawing/2014/main" id="{DF24A9E1-1CA9-CA3A-6909-292684FF5438}"/>
               </a:ext>
             </a:extLst>
           </p:cNvPr>
@@ -5901,8 +5905,8 @@
         </p:blipFill>
         <p:spPr>
           <a:xfrm>
-            <a:off x="7970646" y="3642991"/>
-            <a:ext cx="155144" cy="258573"/>
+            <a:off x="122261" y="1347102"/>
+            <a:ext cx="1672031" cy="237248"/>
           </a:xfrm>
           <a:prstGeom prst="rect">
             <a:avLst/>
@@ -5911,10 +5915,10 @@
       </p:pic>
       <p:pic>
         <p:nvPicPr>
-          <p:cNvPr id="42" name="Picture 41">
-            <a:extLst>
-              <a:ext uri="{FF2B5EF4-FFF2-40B4-BE49-F238E27FC236}">
-                <a16:creationId xmlns:a16="http://schemas.microsoft.com/office/drawing/2014/main" id="{DF24A9E1-1CA9-CA3A-6909-292684FF5438}"/>
+          <p:cNvPr id="44" name="Picture 43">
+            <a:extLst>
+              <a:ext uri="{FF2B5EF4-FFF2-40B4-BE49-F238E27FC236}">
+                <a16:creationId xmlns:a16="http://schemas.microsoft.com/office/drawing/2014/main" id="{CFB5622F-8BC1-FF23-AA79-1C9A65B483A8}"/>
               </a:ext>
             </a:extLst>
           </p:cNvPr>
@@ -5931,8 +5935,8 @@
         </p:blipFill>
         <p:spPr>
           <a:xfrm>
-            <a:off x="81422" y="1347102"/>
-            <a:ext cx="1319453" cy="187220"/>
+            <a:off x="108915" y="4681832"/>
+            <a:ext cx="1709838" cy="212256"/>
           </a:xfrm>
           <a:prstGeom prst="rect">
             <a:avLst/>
@@ -5941,10 +5945,10 @@
       </p:pic>
       <p:pic>
         <p:nvPicPr>
-          <p:cNvPr id="44" name="Picture 43">
-            <a:extLst>
-              <a:ext uri="{FF2B5EF4-FFF2-40B4-BE49-F238E27FC236}">
-                <a16:creationId xmlns:a16="http://schemas.microsoft.com/office/drawing/2014/main" id="{CFB5622F-8BC1-FF23-AA79-1C9A65B483A8}"/>
+          <p:cNvPr id="7" name="Picture 6">
+            <a:extLst>
+              <a:ext uri="{FF2B5EF4-FFF2-40B4-BE49-F238E27FC236}">
+                <a16:creationId xmlns:a16="http://schemas.microsoft.com/office/drawing/2014/main" id="{294FFA76-243B-2AC2-D25B-488DFCAB37B3}"/>
               </a:ext>
             </a:extLst>
           </p:cNvPr>
@@ -5961,8 +5965,8 @@
         </p:blipFill>
         <p:spPr>
           <a:xfrm>
-            <a:off x="43281" y="4681832"/>
-            <a:ext cx="1286358" cy="159686"/>
+            <a:off x="7884332" y="3629478"/>
+            <a:ext cx="281096" cy="165349"/>
           </a:xfrm>
           <a:prstGeom prst="rect">
             <a:avLst/>
